--- a/source/CV TegboF.pptx
+++ b/source/CV TegboF.pptx
@@ -208,7 +208,7 @@
           <a:p>
             <a:fld id="{203F8AE6-10E3-6A47-B7C6-91FD1E1612CE}" type="datetimeFigureOut">
               <a:rPr lang="fr-FR" smtClean="0"/>
-              <a:t>26/03/2024</a:t>
+              <a:t>28/03/2024</a:t>
             </a:fld>
             <a:endParaRPr lang="fr-FR"/>
           </a:p>
@@ -738,7 +738,7 @@
           <a:p>
             <a:fld id="{2CD304F3-D9A9-9840-8A64-8D98CB0E9445}" type="datetimeFigureOut">
               <a:rPr lang="fr-FR" smtClean="0"/>
-              <a:t>26/03/2024</a:t>
+              <a:t>28/03/2024</a:t>
             </a:fld>
             <a:endParaRPr lang="fr-FR"/>
           </a:p>
@@ -906,7 +906,7 @@
           <a:p>
             <a:fld id="{2CD304F3-D9A9-9840-8A64-8D98CB0E9445}" type="datetimeFigureOut">
               <a:rPr lang="fr-FR" smtClean="0"/>
-              <a:t>26/03/2024</a:t>
+              <a:t>28/03/2024</a:t>
             </a:fld>
             <a:endParaRPr lang="fr-FR"/>
           </a:p>
@@ -1084,7 +1084,7 @@
           <a:p>
             <a:fld id="{2CD304F3-D9A9-9840-8A64-8D98CB0E9445}" type="datetimeFigureOut">
               <a:rPr lang="fr-FR" smtClean="0"/>
-              <a:t>26/03/2024</a:t>
+              <a:t>28/03/2024</a:t>
             </a:fld>
             <a:endParaRPr lang="fr-FR"/>
           </a:p>
@@ -1252,7 +1252,7 @@
           <a:p>
             <a:fld id="{2CD304F3-D9A9-9840-8A64-8D98CB0E9445}" type="datetimeFigureOut">
               <a:rPr lang="fr-FR" smtClean="0"/>
-              <a:t>26/03/2024</a:t>
+              <a:t>28/03/2024</a:t>
             </a:fld>
             <a:endParaRPr lang="fr-FR"/>
           </a:p>
@@ -1497,7 +1497,7 @@
           <a:p>
             <a:fld id="{2CD304F3-D9A9-9840-8A64-8D98CB0E9445}" type="datetimeFigureOut">
               <a:rPr lang="fr-FR" smtClean="0"/>
-              <a:t>26/03/2024</a:t>
+              <a:t>28/03/2024</a:t>
             </a:fld>
             <a:endParaRPr lang="fr-FR"/>
           </a:p>
@@ -1782,7 +1782,7 @@
           <a:p>
             <a:fld id="{2CD304F3-D9A9-9840-8A64-8D98CB0E9445}" type="datetimeFigureOut">
               <a:rPr lang="fr-FR" smtClean="0"/>
-              <a:t>26/03/2024</a:t>
+              <a:t>28/03/2024</a:t>
             </a:fld>
             <a:endParaRPr lang="fr-FR"/>
           </a:p>
@@ -2206,7 +2206,7 @@
           <a:p>
             <a:fld id="{2CD304F3-D9A9-9840-8A64-8D98CB0E9445}" type="datetimeFigureOut">
               <a:rPr lang="fr-FR" smtClean="0"/>
-              <a:t>26/03/2024</a:t>
+              <a:t>28/03/2024</a:t>
             </a:fld>
             <a:endParaRPr lang="fr-FR"/>
           </a:p>
@@ -2323,7 +2323,7 @@
           <a:p>
             <a:fld id="{2CD304F3-D9A9-9840-8A64-8D98CB0E9445}" type="datetimeFigureOut">
               <a:rPr lang="fr-FR" smtClean="0"/>
-              <a:t>26/03/2024</a:t>
+              <a:t>28/03/2024</a:t>
             </a:fld>
             <a:endParaRPr lang="fr-FR"/>
           </a:p>
@@ -2418,7 +2418,7 @@
           <a:p>
             <a:fld id="{2CD304F3-D9A9-9840-8A64-8D98CB0E9445}" type="datetimeFigureOut">
               <a:rPr lang="fr-FR" smtClean="0"/>
-              <a:t>26/03/2024</a:t>
+              <a:t>28/03/2024</a:t>
             </a:fld>
             <a:endParaRPr lang="fr-FR"/>
           </a:p>
@@ -2693,7 +2693,7 @@
           <a:p>
             <a:fld id="{2CD304F3-D9A9-9840-8A64-8D98CB0E9445}" type="datetimeFigureOut">
               <a:rPr lang="fr-FR" smtClean="0"/>
-              <a:t>26/03/2024</a:t>
+              <a:t>28/03/2024</a:t>
             </a:fld>
             <a:endParaRPr lang="fr-FR"/>
           </a:p>
@@ -2945,7 +2945,7 @@
           <a:p>
             <a:fld id="{2CD304F3-D9A9-9840-8A64-8D98CB0E9445}" type="datetimeFigureOut">
               <a:rPr lang="fr-FR" smtClean="0"/>
-              <a:t>26/03/2024</a:t>
+              <a:t>28/03/2024</a:t>
             </a:fld>
             <a:endParaRPr lang="fr-FR"/>
           </a:p>
@@ -3156,7 +3156,7 @@
           <a:p>
             <a:fld id="{2CD304F3-D9A9-9840-8A64-8D98CB0E9445}" type="datetimeFigureOut">
               <a:rPr lang="fr-FR" smtClean="0"/>
-              <a:t>26/03/2024</a:t>
+              <a:t>28/03/2024</a:t>
             </a:fld>
             <a:endParaRPr lang="fr-FR"/>
           </a:p>
@@ -3817,7 +3817,7 @@
         </p:nvSpPr>
         <p:spPr>
           <a:xfrm>
-            <a:off x="3600703" y="4504584"/>
+            <a:off x="3600703" y="3903445"/>
             <a:ext cx="1843059" cy="377541"/>
           </a:xfrm>
           <a:prstGeom prst="rect">
@@ -3857,7 +3857,7 @@
         </p:nvCxnSpPr>
         <p:spPr>
           <a:xfrm>
-            <a:off x="5443762" y="4693355"/>
+            <a:off x="5443762" y="4092216"/>
             <a:ext cx="2130892" cy="10549"/>
           </a:xfrm>
           <a:prstGeom prst="line">
@@ -4512,7 +4512,7 @@
           </a:effectLst>
           <a:extLst>
             <a:ext uri="{909E8E84-426E-40dd-AFC4-6F175D3DCCD1}">
-              <a14:hiddenFill xmlns:a14="http://schemas.microsoft.com/office/drawing/2010/main" xmlns="">
+              <a14:hiddenFill xmlns="" xmlns:a14="http://schemas.microsoft.com/office/drawing/2010/main">
                 <a:solidFill>
                   <a:srgbClr val="FFFFFF"/>
                 </a:solidFill>
@@ -4658,7 +4658,7 @@
           </a:effectLst>
           <a:extLst>
             <a:ext uri="{909E8E84-426E-40dd-AFC4-6F175D3DCCD1}">
-              <a14:hiddenFill xmlns:a14="http://schemas.microsoft.com/office/drawing/2010/main" xmlns="">
+              <a14:hiddenFill xmlns="" xmlns:a14="http://schemas.microsoft.com/office/drawing/2010/main">
                 <a:solidFill>
                   <a:srgbClr val="FFFFFF"/>
                 </a:solidFill>
@@ -4776,8 +4776,8 @@
         </p:nvCxnSpPr>
         <p:spPr>
           <a:xfrm>
-            <a:off x="3771977" y="5055663"/>
-            <a:ext cx="7916" cy="5353257"/>
+            <a:off x="3766309" y="4331739"/>
+            <a:ext cx="13584" cy="6077181"/>
           </a:xfrm>
           <a:prstGeom prst="line">
             <a:avLst/>
@@ -4990,7 +4990,7 @@
         </p:nvSpPr>
         <p:spPr>
           <a:xfrm>
-            <a:off x="3708750" y="9626448"/>
+            <a:off x="3708750" y="9651849"/>
             <a:ext cx="133996" cy="124336"/>
           </a:xfrm>
           <a:prstGeom prst="flowChartAlternateProcess">
@@ -5076,8 +5076,8 @@
         </p:nvSpPr>
         <p:spPr>
           <a:xfrm>
-            <a:off x="3892816" y="3780459"/>
-            <a:ext cx="3737578" cy="647784"/>
+            <a:off x="3825080" y="3306315"/>
+            <a:ext cx="3433196" cy="571778"/>
           </a:xfrm>
           <a:prstGeom prst="rect">
             <a:avLst/>
@@ -5107,7 +5107,7 @@
           <a:p>
             <a:pPr algn="ctr"/>
             <a:r>
-              <a:rPr lang="fr-FR" sz="1400" b="1" dirty="0">
+              <a:rPr lang="fr-FR" sz="1200" b="1" dirty="0">
                 <a:solidFill>
                   <a:srgbClr val="EF4415"/>
                 </a:solidFill>
@@ -5117,7 +5117,7 @@
               </a:rPr>
               <a:t>Collège Catholique Roger Duquesne (CCRD) de Gagnoa</a:t>
             </a:r>
-            <a:endParaRPr lang="fr-FR" sz="1400" b="1" dirty="0">
+            <a:endParaRPr lang="fr-FR" sz="1200" b="1" dirty="0">
               <a:solidFill>
                 <a:srgbClr val="EF4415"/>
               </a:solidFill>
@@ -5161,7 +5161,7 @@
         </p:nvSpPr>
         <p:spPr>
           <a:xfrm>
-            <a:off x="2748442" y="3000783"/>
+            <a:off x="2723041" y="2670574"/>
             <a:ext cx="1061720" cy="408300"/>
           </a:xfrm>
           <a:prstGeom prst="rect">
@@ -5233,7 +5233,7 @@
         </p:nvSpPr>
         <p:spPr>
           <a:xfrm>
-            <a:off x="2770782" y="3814545"/>
+            <a:off x="2762315" y="3357332"/>
             <a:ext cx="992324" cy="350454"/>
           </a:xfrm>
           <a:prstGeom prst="rect">
@@ -5305,8 +5305,8 @@
         </p:nvSpPr>
         <p:spPr>
           <a:xfrm>
-            <a:off x="3958166" y="2963847"/>
-            <a:ext cx="3438615" cy="690260"/>
+            <a:off x="3890430" y="2625170"/>
+            <a:ext cx="3438615" cy="616218"/>
           </a:xfrm>
           <a:prstGeom prst="rect">
             <a:avLst/>
@@ -5335,7 +5335,7 @@
           <a:lstStyle/>
           <a:p>
             <a:r>
-              <a:rPr lang="fr-FR" sz="1400" b="1" spc="-30" dirty="0">
+              <a:rPr lang="fr-FR" sz="1200" b="1" spc="-30" dirty="0">
                 <a:solidFill>
                   <a:srgbClr val="EF4415"/>
                 </a:solidFill>
@@ -5346,7 +5346,7 @@
               <a:t>ISTCO</a:t>
             </a:r>
             <a:r>
-              <a:rPr lang="fr-FR" sz="1400" b="1" dirty="0">
+              <a:rPr lang="fr-FR" sz="1200" b="1" dirty="0">
                 <a:solidFill>
                   <a:srgbClr val="EF4415"/>
                 </a:solidFill>
@@ -5357,7 +5357,7 @@
               <a:t> Abidjan,</a:t>
             </a:r>
             <a:r>
-              <a:rPr lang="fr-FR" sz="1400" b="1" spc="-55" dirty="0">
+              <a:rPr lang="fr-FR" sz="1200" b="1" spc="-55" dirty="0">
                 <a:solidFill>
                   <a:srgbClr val="EF4415"/>
                 </a:solidFill>
@@ -5368,7 +5368,7 @@
               <a:t> </a:t>
             </a:r>
             <a:r>
-              <a:rPr lang="fr-FR" sz="1400" b="1" spc="-30" dirty="0">
+              <a:rPr lang="fr-FR" sz="1200" b="1" spc="-30" dirty="0">
                 <a:solidFill>
                   <a:srgbClr val="EF4415"/>
                 </a:solidFill>
@@ -5379,7 +5379,7 @@
               <a:t>BTS en</a:t>
             </a:r>
             <a:r>
-              <a:rPr lang="fr-FR" sz="1400" b="1" spc="-60" dirty="0">
+              <a:rPr lang="fr-FR" sz="1200" b="1" spc="-60" dirty="0">
                 <a:solidFill>
                   <a:srgbClr val="EF4415"/>
                 </a:solidFill>
@@ -5390,7 +5390,7 @@
               <a:t> </a:t>
             </a:r>
             <a:r>
-              <a:rPr lang="fr-FR" sz="1400" b="1" spc="-30" dirty="0">
+              <a:rPr lang="fr-FR" sz="1200" b="1" spc="-30" dirty="0">
                 <a:solidFill>
                   <a:srgbClr val="EF4415"/>
                 </a:solidFill>
@@ -5401,7 +5401,7 @@
               <a:t>Maintenance</a:t>
             </a:r>
             <a:r>
-              <a:rPr lang="fr-FR" sz="1400" b="1" spc="-60" dirty="0">
+              <a:rPr lang="fr-FR" sz="1200" b="1" spc="-60" dirty="0">
                 <a:solidFill>
                   <a:srgbClr val="EF4415"/>
                 </a:solidFill>
@@ -5412,7 +5412,7 @@
               <a:t> </a:t>
             </a:r>
             <a:r>
-              <a:rPr lang="fr-FR" sz="1400" b="1" spc="-30" dirty="0">
+              <a:rPr lang="fr-FR" sz="1200" b="1" spc="-30" dirty="0">
                 <a:solidFill>
                   <a:srgbClr val="EF4415"/>
                 </a:solidFill>
@@ -5423,7 +5423,7 @@
               <a:t>des</a:t>
             </a:r>
             <a:r>
-              <a:rPr lang="fr-FR" sz="1400" b="1" spc="-50" dirty="0">
+              <a:rPr lang="fr-FR" sz="1200" b="1" spc="-50" dirty="0">
                 <a:solidFill>
                   <a:srgbClr val="EF4415"/>
                 </a:solidFill>
@@ -5434,7 +5434,7 @@
               <a:t> </a:t>
             </a:r>
             <a:r>
-              <a:rPr lang="fr-FR" sz="1400" b="1" spc="-30" dirty="0">
+              <a:rPr lang="fr-FR" sz="1200" b="1" spc="-30" dirty="0">
                 <a:solidFill>
                   <a:srgbClr val="EF4415"/>
                 </a:solidFill>
@@ -5445,7 +5445,7 @@
               <a:t>Systèmes</a:t>
             </a:r>
             <a:r>
-              <a:rPr lang="fr-FR" sz="1400" b="1" spc="-50" dirty="0">
+              <a:rPr lang="fr-FR" sz="1200" b="1" spc="-50" dirty="0">
                 <a:solidFill>
                   <a:srgbClr val="EF4415"/>
                 </a:solidFill>
@@ -5456,7 +5456,7 @@
               <a:t> </a:t>
             </a:r>
             <a:r>
-              <a:rPr lang="fr-FR" sz="1400" b="1" spc="-30" dirty="0">
+              <a:rPr lang="fr-FR" sz="1200" b="1" spc="-30" dirty="0">
                 <a:solidFill>
                   <a:srgbClr val="EF4415"/>
                 </a:solidFill>
@@ -5470,7 +5470,7 @@
           <a:p>
             <a:pPr algn="ctr"/>
             <a:r>
-              <a:rPr lang="fr-FR" sz="1400" spc="-30" dirty="0">
+              <a:rPr lang="fr-FR" sz="1200" spc="-30" dirty="0">
                 <a:solidFill>
                   <a:schemeClr val="tx2"/>
                 </a:solidFill>
@@ -5479,7 +5479,7 @@
               </a:rPr>
               <a:t>BAC +2 en Maintenance Industrielle, électricité </a:t>
             </a:r>
-            <a:endParaRPr lang="fr-FR" sz="1400" dirty="0">
+            <a:endParaRPr lang="fr-FR" sz="1200" dirty="0">
               <a:solidFill>
                 <a:schemeClr val="tx2"/>
               </a:solidFill>
@@ -5503,8 +5503,8 @@
         </p:nvSpPr>
         <p:spPr>
           <a:xfrm>
-            <a:off x="3967062" y="2377107"/>
-            <a:ext cx="3333287" cy="506122"/>
+            <a:off x="3845379" y="2156965"/>
+            <a:ext cx="2925843" cy="506122"/>
           </a:xfrm>
           <a:prstGeom prst="rect">
             <a:avLst/>
@@ -5534,7 +5534,7 @@
           <a:p>
             <a:pPr algn="ctr"/>
             <a:r>
-              <a:rPr lang="en-US" sz="1400" b="1" dirty="0">
+              <a:rPr lang="en-US" sz="1200" b="1" dirty="0">
                 <a:solidFill>
                   <a:srgbClr val="EF4415"/>
                 </a:solidFill>
@@ -5547,7 +5547,7 @@
           <a:p>
             <a:pPr algn="ctr"/>
             <a:r>
-              <a:rPr lang="en-US" sz="1400" dirty="0">
+              <a:rPr lang="en-US" sz="1200" dirty="0">
                 <a:solidFill>
                   <a:schemeClr val="tx2"/>
                 </a:solidFill>
@@ -5575,8 +5575,8 @@
         </p:nvCxnSpPr>
         <p:spPr>
           <a:xfrm>
-            <a:off x="3848873" y="1614632"/>
-            <a:ext cx="0" cy="2813611"/>
+            <a:off x="3764203" y="1614632"/>
+            <a:ext cx="2106" cy="2159233"/>
           </a:xfrm>
           <a:prstGeom prst="line">
             <a:avLst/>
@@ -5618,7 +5618,7 @@
         </p:nvSpPr>
         <p:spPr>
           <a:xfrm>
-            <a:off x="3787280" y="3835826"/>
+            <a:off x="3702610" y="3370147"/>
             <a:ext cx="133996" cy="124336"/>
           </a:xfrm>
           <a:prstGeom prst="flowChartAlternateProcess">
@@ -5662,7 +5662,7 @@
         </p:nvSpPr>
         <p:spPr>
           <a:xfrm>
-            <a:off x="3785642" y="1670905"/>
+            <a:off x="3700972" y="1603169"/>
             <a:ext cx="133996" cy="124336"/>
           </a:xfrm>
           <a:prstGeom prst="flowChartAlternateProcess">
@@ -5706,7 +5706,7 @@
         </p:nvSpPr>
         <p:spPr>
           <a:xfrm>
-            <a:off x="3784683" y="3022132"/>
+            <a:off x="3700013" y="2700389"/>
             <a:ext cx="133996" cy="124336"/>
           </a:xfrm>
           <a:prstGeom prst="flowChartAlternateProcess">
@@ -5750,7 +5750,7 @@
         </p:nvSpPr>
         <p:spPr>
           <a:xfrm>
-            <a:off x="4069349" y="9501013"/>
+            <a:off x="4069349" y="9526414"/>
             <a:ext cx="1793353" cy="335764"/>
           </a:xfrm>
           <a:prstGeom prst="rect">
@@ -6102,7 +6102,7 @@
         </p:nvSpPr>
         <p:spPr>
           <a:xfrm>
-            <a:off x="3715775" y="5093606"/>
+            <a:off x="3715775" y="5542344"/>
             <a:ext cx="133996" cy="124336"/>
           </a:xfrm>
           <a:prstGeom prst="flowChartAlternateProcess">
@@ -6146,7 +6146,7 @@
         </p:nvSpPr>
         <p:spPr>
           <a:xfrm>
-            <a:off x="2769654" y="1654513"/>
+            <a:off x="2710385" y="1586777"/>
             <a:ext cx="1073950" cy="368480"/>
           </a:xfrm>
           <a:prstGeom prst="rect">
@@ -6218,8 +6218,8 @@
         </p:nvSpPr>
         <p:spPr>
           <a:xfrm>
-            <a:off x="3981294" y="1562735"/>
-            <a:ext cx="3222302" cy="747755"/>
+            <a:off x="3862758" y="1478065"/>
+            <a:ext cx="3491426" cy="747755"/>
           </a:xfrm>
           <a:prstGeom prst="rect">
             <a:avLst/>
@@ -6248,7 +6248,7 @@
           <a:lstStyle/>
           <a:p>
             <a:r>
-              <a:rPr lang="fr-FR" sz="1400" b="1" dirty="0">
+              <a:rPr lang="fr-FR" sz="1200" b="1" dirty="0">
                 <a:solidFill>
                   <a:srgbClr val="EF4415"/>
                 </a:solidFill>
@@ -6261,7 +6261,7 @@
           <a:p>
             <a:pPr algn="ctr"/>
             <a:r>
-              <a:rPr lang="fr-FR" sz="1400" dirty="0">
+              <a:rPr lang="fr-FR" sz="1200" dirty="0">
                 <a:solidFill>
                   <a:schemeClr val="tx2"/>
                 </a:solidFill>
@@ -6287,7 +6287,7 @@
         </p:nvSpPr>
         <p:spPr>
           <a:xfrm>
-            <a:off x="3788902" y="2478016"/>
+            <a:off x="3704232" y="2266344"/>
             <a:ext cx="133996" cy="124336"/>
           </a:xfrm>
           <a:prstGeom prst="flowChartAlternateProcess">
@@ -6567,7 +6567,7 @@
         </p:nvSpPr>
         <p:spPr>
           <a:xfrm>
-            <a:off x="2748442" y="2422153"/>
+            <a:off x="2714574" y="2202011"/>
             <a:ext cx="1061720" cy="408300"/>
           </a:xfrm>
           <a:prstGeom prst="rect">
@@ -6639,7 +6639,7 @@
         </p:nvSpPr>
         <p:spPr>
           <a:xfrm>
-            <a:off x="2768146" y="9629927"/>
+            <a:off x="2768146" y="9655328"/>
             <a:ext cx="992324" cy="350454"/>
           </a:xfrm>
           <a:prstGeom prst="rect">
@@ -6711,7 +6711,7 @@
         </p:nvSpPr>
         <p:spPr>
           <a:xfrm>
-            <a:off x="5783072" y="9523062"/>
+            <a:off x="5783072" y="9548463"/>
             <a:ext cx="1574808" cy="255186"/>
           </a:xfrm>
           <a:prstGeom prst="rect">
@@ -6785,8 +6785,8 @@
         </p:nvSpPr>
         <p:spPr>
           <a:xfrm>
-            <a:off x="3816673" y="9719852"/>
-            <a:ext cx="3761306" cy="898976"/>
+            <a:off x="3816673" y="9770654"/>
+            <a:ext cx="3761306" cy="812681"/>
           </a:xfrm>
           <a:prstGeom prst="rect">
             <a:avLst/>
@@ -6848,8 +6848,8 @@
         </p:nvSpPr>
         <p:spPr>
           <a:xfrm>
-            <a:off x="3972382" y="7230586"/>
-            <a:ext cx="2100757" cy="381114"/>
+            <a:off x="3972383" y="7408391"/>
+            <a:ext cx="1809664" cy="301537"/>
           </a:xfrm>
           <a:prstGeom prst="rect">
             <a:avLst/>
@@ -6912,7 +6912,7 @@
         </p:nvSpPr>
         <p:spPr>
           <a:xfrm>
-            <a:off x="5862702" y="7318826"/>
+            <a:off x="5820367" y="7445829"/>
             <a:ext cx="1467522" cy="213297"/>
           </a:xfrm>
           <a:prstGeom prst="rect">
@@ -6986,8 +6986,8 @@
         </p:nvSpPr>
         <p:spPr>
           <a:xfrm>
-            <a:off x="3779893" y="7464154"/>
-            <a:ext cx="3768861" cy="2067691"/>
+            <a:off x="3779893" y="7692759"/>
+            <a:ext cx="3768861" cy="1854712"/>
           </a:xfrm>
           <a:prstGeom prst="rect">
             <a:avLst/>
@@ -7620,7 +7620,7 @@
         </p:nvSpPr>
         <p:spPr>
           <a:xfrm>
-            <a:off x="2777999" y="7355784"/>
+            <a:off x="2777999" y="7482787"/>
             <a:ext cx="992324" cy="350454"/>
           </a:xfrm>
           <a:prstGeom prst="rect">
@@ -7692,7 +7692,7 @@
         </p:nvSpPr>
         <p:spPr>
           <a:xfrm>
-            <a:off x="2770781" y="5089388"/>
+            <a:off x="2770781" y="5538126"/>
             <a:ext cx="1021194" cy="350454"/>
           </a:xfrm>
           <a:prstGeom prst="rect">
@@ -7750,7 +7750,7 @@
         </p:nvSpPr>
         <p:spPr>
           <a:xfrm>
-            <a:off x="3716983" y="7365309"/>
+            <a:off x="3716983" y="7492312"/>
             <a:ext cx="133996" cy="124336"/>
           </a:xfrm>
           <a:prstGeom prst="flowChartAlternateProcess">
@@ -7794,8 +7794,8 @@
         </p:nvSpPr>
         <p:spPr>
           <a:xfrm>
-            <a:off x="3927179" y="5021152"/>
-            <a:ext cx="2100757" cy="208354"/>
+            <a:off x="3927179" y="5486824"/>
+            <a:ext cx="1840423" cy="252868"/>
           </a:xfrm>
           <a:prstGeom prst="rect">
             <a:avLst/>
@@ -7858,7 +7858,7 @@
         </p:nvSpPr>
         <p:spPr>
           <a:xfrm>
-            <a:off x="2801547" y="5931525"/>
+            <a:off x="2759212" y="6261730"/>
             <a:ext cx="1021194" cy="350454"/>
           </a:xfrm>
           <a:prstGeom prst="rect">
@@ -7916,7 +7916,7 @@
         </p:nvSpPr>
         <p:spPr>
           <a:xfrm>
-            <a:off x="3715775" y="5922959"/>
+            <a:off x="3715775" y="6253164"/>
             <a:ext cx="133996" cy="124336"/>
           </a:xfrm>
           <a:prstGeom prst="flowChartAlternateProcess">
@@ -7960,8 +7960,8 @@
         </p:nvSpPr>
         <p:spPr>
           <a:xfrm>
-            <a:off x="3981294" y="5854556"/>
-            <a:ext cx="1308374" cy="269195"/>
+            <a:off x="3981294" y="6184761"/>
+            <a:ext cx="1100806" cy="261127"/>
           </a:xfrm>
           <a:prstGeom prst="rect">
             <a:avLst/>
@@ -8024,8 +8024,8 @@
         </p:nvSpPr>
         <p:spPr>
           <a:xfrm>
-            <a:off x="5159894" y="5846488"/>
-            <a:ext cx="1545340" cy="269195"/>
+            <a:off x="5159894" y="6176693"/>
+            <a:ext cx="1427170" cy="252209"/>
           </a:xfrm>
           <a:prstGeom prst="rect">
             <a:avLst/>
@@ -8118,8 +8118,8 @@
         </p:nvSpPr>
         <p:spPr>
           <a:xfrm>
-            <a:off x="5865724" y="5000534"/>
-            <a:ext cx="1409504" cy="239093"/>
+            <a:off x="5781054" y="5491607"/>
+            <a:ext cx="1342709" cy="248085"/>
           </a:xfrm>
           <a:prstGeom prst="rect">
             <a:avLst/>
@@ -8182,8 +8182,8 @@
         </p:nvSpPr>
         <p:spPr>
           <a:xfrm>
-            <a:off x="3741421" y="6103260"/>
-            <a:ext cx="3869924" cy="1153368"/>
+            <a:off x="3741421" y="6441930"/>
+            <a:ext cx="3869924" cy="931939"/>
           </a:xfrm>
           <a:prstGeom prst="rect">
             <a:avLst/>
@@ -8322,8 +8322,8 @@
         </p:nvSpPr>
         <p:spPr>
           <a:xfrm>
-            <a:off x="3791975" y="5258175"/>
-            <a:ext cx="3794472" cy="446085"/>
+            <a:off x="3791975" y="5723847"/>
+            <a:ext cx="3680745" cy="446085"/>
           </a:xfrm>
           <a:prstGeom prst="rect">
             <a:avLst/>
@@ -8351,10 +8351,7 @@
           <a:bodyPr rtlCol="0" anchor="ctr"/>
           <a:lstStyle/>
           <a:p>
-            <a:pPr algn="l">
-              <a:buFont typeface="Arial" panose="020B0604020202020204" pitchFamily="34" charset="0"/>
-              <a:buChar char="•"/>
-            </a:pPr>
+            <a:pPr algn="l"/>
             <a:r>
               <a:rPr lang="fr-FR" sz="1200" b="0" i="0" dirty="0">
                 <a:solidFill>
@@ -8392,7 +8389,7 @@
         </p:nvCxnSpPr>
         <p:spPr>
           <a:xfrm>
-            <a:off x="5852044" y="9528247"/>
+            <a:off x="5852044" y="9553648"/>
             <a:ext cx="0" cy="272050"/>
           </a:xfrm>
           <a:prstGeom prst="line">
@@ -8431,7 +8428,7 @@
         </p:nvCxnSpPr>
         <p:spPr>
           <a:xfrm>
-            <a:off x="5907518" y="7300977"/>
+            <a:off x="5788981" y="7427980"/>
             <a:ext cx="0" cy="272050"/>
           </a:xfrm>
           <a:prstGeom prst="line">
@@ -8470,7 +8467,7 @@
         </p:nvCxnSpPr>
         <p:spPr>
           <a:xfrm>
-            <a:off x="5190487" y="5853158"/>
+            <a:off x="5114284" y="6183363"/>
             <a:ext cx="0" cy="272050"/>
           </a:xfrm>
           <a:prstGeom prst="line">
@@ -8509,7 +8506,7 @@
         </p:nvCxnSpPr>
         <p:spPr>
           <a:xfrm>
-            <a:off x="5887830" y="4993639"/>
+            <a:off x="5769293" y="5459311"/>
             <a:ext cx="0" cy="272050"/>
           </a:xfrm>
           <a:prstGeom prst="line">
@@ -8532,6 +8529,614 @@
           </a:fontRef>
         </p:style>
       </p:cxnSp>
+      <p:sp>
+        <p:nvSpPr>
+          <p:cNvPr id="28" name="Organigramme : Alternative 27">
+            <a:extLst>
+              <a:ext uri="{FF2B5EF4-FFF2-40B4-BE49-F238E27FC236}">
+                <a16:creationId xmlns:a16="http://schemas.microsoft.com/office/drawing/2014/main" id="{FE5DD5A4-96E0-68EE-859F-4C6690DEA99F}"/>
+              </a:ext>
+            </a:extLst>
+          </p:cNvPr>
+          <p:cNvSpPr/>
+          <p:nvPr/>
+        </p:nvSpPr>
+        <p:spPr>
+          <a:xfrm>
+            <a:off x="3707904" y="4441814"/>
+            <a:ext cx="133996" cy="124336"/>
+          </a:xfrm>
+          <a:prstGeom prst="flowChartAlternateProcess">
+            <a:avLst/>
+          </a:prstGeom>
+        </p:spPr>
+        <p:style>
+          <a:lnRef idx="1">
+            <a:schemeClr val="dk1"/>
+          </a:lnRef>
+          <a:fillRef idx="3">
+            <a:schemeClr val="dk1"/>
+          </a:fillRef>
+          <a:effectRef idx="2">
+            <a:schemeClr val="dk1"/>
+          </a:effectRef>
+          <a:fontRef idx="minor">
+            <a:schemeClr val="lt1"/>
+          </a:fontRef>
+        </p:style>
+        <p:txBody>
+          <a:bodyPr rtlCol="0" anchor="ctr"/>
+          <a:lstStyle/>
+          <a:p>
+            <a:pPr algn="ctr"/>
+            <a:endParaRPr lang="fr-FR"/>
+          </a:p>
+        </p:txBody>
+      </p:sp>
+      <p:sp>
+        <p:nvSpPr>
+          <p:cNvPr id="30" name="Organigramme : Alternative 29">
+            <a:extLst>
+              <a:ext uri="{FF2B5EF4-FFF2-40B4-BE49-F238E27FC236}">
+                <a16:creationId xmlns:a16="http://schemas.microsoft.com/office/drawing/2014/main" id="{305D09D2-D4C7-BD92-B16A-36892445D0BA}"/>
+              </a:ext>
+            </a:extLst>
+          </p:cNvPr>
+          <p:cNvSpPr/>
+          <p:nvPr/>
+        </p:nvSpPr>
+        <p:spPr>
+          <a:xfrm>
+            <a:off x="3707904" y="4958224"/>
+            <a:ext cx="133996" cy="124336"/>
+          </a:xfrm>
+          <a:prstGeom prst="flowChartAlternateProcess">
+            <a:avLst/>
+          </a:prstGeom>
+        </p:spPr>
+        <p:style>
+          <a:lnRef idx="1">
+            <a:schemeClr val="dk1"/>
+          </a:lnRef>
+          <a:fillRef idx="3">
+            <a:schemeClr val="dk1"/>
+          </a:fillRef>
+          <a:effectRef idx="2">
+            <a:schemeClr val="dk1"/>
+          </a:effectRef>
+          <a:fontRef idx="minor">
+            <a:schemeClr val="lt1"/>
+          </a:fontRef>
+        </p:style>
+        <p:txBody>
+          <a:bodyPr rtlCol="0" anchor="ctr"/>
+          <a:lstStyle/>
+          <a:p>
+            <a:pPr algn="ctr"/>
+            <a:endParaRPr lang="fr-FR"/>
+          </a:p>
+        </p:txBody>
+      </p:sp>
+      <p:sp>
+        <p:nvSpPr>
+          <p:cNvPr id="33" name="Rectangle 32">
+            <a:extLst>
+              <a:ext uri="{FF2B5EF4-FFF2-40B4-BE49-F238E27FC236}">
+                <a16:creationId xmlns:a16="http://schemas.microsoft.com/office/drawing/2014/main" id="{CAF4BE4B-56A1-AFAF-2829-B2B8A8C70CF1}"/>
+              </a:ext>
+            </a:extLst>
+          </p:cNvPr>
+          <p:cNvSpPr/>
+          <p:nvPr/>
+        </p:nvSpPr>
+        <p:spPr>
+          <a:xfrm>
+            <a:off x="2736914" y="4423486"/>
+            <a:ext cx="1021194" cy="311707"/>
+          </a:xfrm>
+          <a:prstGeom prst="rect">
+            <a:avLst/>
+          </a:prstGeom>
+          <a:noFill/>
+          <a:ln>
+            <a:noFill/>
+          </a:ln>
+        </p:spPr>
+        <p:style>
+          <a:lnRef idx="2">
+            <a:schemeClr val="accent1"/>
+          </a:lnRef>
+          <a:fillRef idx="1">
+            <a:schemeClr val="lt1"/>
+          </a:fillRef>
+          <a:effectRef idx="0">
+            <a:schemeClr val="accent1"/>
+          </a:effectRef>
+          <a:fontRef idx="minor">
+            <a:schemeClr val="dk1"/>
+          </a:fontRef>
+        </p:style>
+        <p:txBody>
+          <a:bodyPr rtlCol="0" anchor="ctr"/>
+          <a:lstStyle/>
+          <a:p>
+            <a:pPr algn="ctr"/>
+            <a:r>
+              <a:rPr lang="fr-FR" sz="1200" b="1" dirty="0">
+                <a:solidFill>
+                  <a:schemeClr val="tx1"/>
+                </a:solidFill>
+                <a:latin typeface="Times New Roman" panose="02020603050405020304" pitchFamily="18" charset="0"/>
+                <a:ea typeface="Calibri"/>
+                <a:cs typeface="Times New Roman" panose="02020603050405020304" pitchFamily="18" charset="0"/>
+              </a:rPr>
+              <a:t>12-03-2024</a:t>
+            </a:r>
+          </a:p>
+          <a:p>
+            <a:pPr algn="ctr"/>
+            <a:r>
+              <a:rPr lang="fr-FR" sz="1200" b="1" dirty="0">
+                <a:solidFill>
+                  <a:schemeClr val="tx1"/>
+                </a:solidFill>
+                <a:latin typeface="Times New Roman" panose="02020603050405020304" pitchFamily="18" charset="0"/>
+                <a:ea typeface="Calibri"/>
+                <a:cs typeface="Times New Roman" panose="02020603050405020304" pitchFamily="18" charset="0"/>
+              </a:rPr>
+              <a:t>À ce jour</a:t>
+            </a:r>
+          </a:p>
+        </p:txBody>
+      </p:sp>
+      <p:sp>
+        <p:nvSpPr>
+          <p:cNvPr id="44" name="Rectangle 43">
+            <a:extLst>
+              <a:ext uri="{FF2B5EF4-FFF2-40B4-BE49-F238E27FC236}">
+                <a16:creationId xmlns:a16="http://schemas.microsoft.com/office/drawing/2014/main" id="{E187A601-E61F-80A4-B0B0-CE65EF40BB73}"/>
+              </a:ext>
+            </a:extLst>
+          </p:cNvPr>
+          <p:cNvSpPr/>
+          <p:nvPr/>
+        </p:nvSpPr>
+        <p:spPr>
+          <a:xfrm>
+            <a:off x="3808419" y="4377408"/>
+            <a:ext cx="1987709" cy="244513"/>
+          </a:xfrm>
+          <a:prstGeom prst="rect">
+            <a:avLst/>
+          </a:prstGeom>
+          <a:noFill/>
+          <a:ln>
+            <a:noFill/>
+          </a:ln>
+        </p:spPr>
+        <p:style>
+          <a:lnRef idx="2">
+            <a:schemeClr val="accent1"/>
+          </a:lnRef>
+          <a:fillRef idx="1">
+            <a:schemeClr val="lt1"/>
+          </a:fillRef>
+          <a:effectRef idx="0">
+            <a:schemeClr val="accent1"/>
+          </a:effectRef>
+          <a:fontRef idx="minor">
+            <a:schemeClr val="dk1"/>
+          </a:fontRef>
+        </p:style>
+        <p:txBody>
+          <a:bodyPr rtlCol="0" anchor="ctr"/>
+          <a:lstStyle/>
+          <a:p>
+            <a:pPr algn="ctr"/>
+            <a:r>
+              <a:rPr lang="en-US" sz="1200" b="1" dirty="0">
+                <a:solidFill>
+                  <a:srgbClr val="EF4415"/>
+                </a:solidFill>
+                <a:latin typeface="Times New Roman" panose="02020603050405020304" pitchFamily="18" charset="0"/>
+                <a:cs typeface="Times New Roman" panose="02020603050405020304" pitchFamily="18" charset="0"/>
+              </a:rPr>
+              <a:t>Responsable Hébergement</a:t>
+            </a:r>
+            <a:endParaRPr lang="fr-FR" sz="1200" b="1" dirty="0">
+              <a:solidFill>
+                <a:srgbClr val="EF4415"/>
+              </a:solidFill>
+              <a:latin typeface="Times New Roman" panose="02020603050405020304" pitchFamily="18" charset="0"/>
+              <a:cs typeface="Times New Roman" panose="02020603050405020304" pitchFamily="18" charset="0"/>
+            </a:endParaRPr>
+          </a:p>
+        </p:txBody>
+      </p:sp>
+      <p:cxnSp>
+        <p:nvCxnSpPr>
+          <p:cNvPr id="45" name="Connecteur droit 44">
+            <a:extLst>
+              <a:ext uri="{FF2B5EF4-FFF2-40B4-BE49-F238E27FC236}">
+                <a16:creationId xmlns:a16="http://schemas.microsoft.com/office/drawing/2014/main" id="{52BEBA2D-5D67-5EAD-25EB-E9444D5526CC}"/>
+              </a:ext>
+            </a:extLst>
+          </p:cNvPr>
+          <p:cNvCxnSpPr>
+            <a:cxnSpLocks/>
+          </p:cNvCxnSpPr>
+          <p:nvPr/>
+        </p:nvCxnSpPr>
+        <p:spPr>
+          <a:xfrm>
+            <a:off x="5733511" y="4366693"/>
+            <a:ext cx="0" cy="272050"/>
+          </a:xfrm>
+          <a:prstGeom prst="line">
+            <a:avLst/>
+          </a:prstGeom>
+          <a:ln w="28575"/>
+        </p:spPr>
+        <p:style>
+          <a:lnRef idx="1">
+            <a:schemeClr val="dk1"/>
+          </a:lnRef>
+          <a:fillRef idx="0">
+            <a:schemeClr val="dk1"/>
+          </a:fillRef>
+          <a:effectRef idx="0">
+            <a:schemeClr val="dk1"/>
+          </a:effectRef>
+          <a:fontRef idx="minor">
+            <a:schemeClr val="tx1"/>
+          </a:fontRef>
+        </p:style>
+      </p:cxnSp>
+      <p:sp>
+        <p:nvSpPr>
+          <p:cNvPr id="46" name="Rectangle 45">
+            <a:extLst>
+              <a:ext uri="{FF2B5EF4-FFF2-40B4-BE49-F238E27FC236}">
+                <a16:creationId xmlns:a16="http://schemas.microsoft.com/office/drawing/2014/main" id="{3055B6D3-5D89-C352-3003-E8F3B1EA0559}"/>
+              </a:ext>
+            </a:extLst>
+          </p:cNvPr>
+          <p:cNvSpPr/>
+          <p:nvPr/>
+        </p:nvSpPr>
+        <p:spPr>
+          <a:xfrm>
+            <a:off x="5697326" y="4391295"/>
+            <a:ext cx="1900435" cy="260476"/>
+          </a:xfrm>
+          <a:prstGeom prst="rect">
+            <a:avLst/>
+          </a:prstGeom>
+          <a:noFill/>
+          <a:ln>
+            <a:noFill/>
+          </a:ln>
+        </p:spPr>
+        <p:style>
+          <a:lnRef idx="2">
+            <a:schemeClr val="accent1"/>
+          </a:lnRef>
+          <a:fillRef idx="1">
+            <a:schemeClr val="lt1"/>
+          </a:fillRef>
+          <a:effectRef idx="0">
+            <a:schemeClr val="accent1"/>
+          </a:effectRef>
+          <a:fontRef idx="minor">
+            <a:schemeClr val="dk1"/>
+          </a:fontRef>
+        </p:style>
+        <p:txBody>
+          <a:bodyPr rtlCol="0" anchor="ctr"/>
+          <a:lstStyle/>
+          <a:p>
+            <a:pPr algn="ctr"/>
+            <a:r>
+              <a:rPr lang="fr-CI" sz="1200" b="1" dirty="0">
+                <a:solidFill>
+                  <a:schemeClr val="tx2"/>
+                </a:solidFill>
+                <a:latin typeface="Times New Roman" panose="02020603050405020304" pitchFamily="18" charset="0"/>
+                <a:cs typeface="Times New Roman" panose="02020603050405020304" pitchFamily="18" charset="0"/>
+              </a:rPr>
+              <a:t>UOC – OTTAWA, région de NAWA</a:t>
+            </a:r>
+            <a:endParaRPr lang="fr-FR" sz="1200" b="1" dirty="0">
+              <a:solidFill>
+                <a:schemeClr val="tx2"/>
+              </a:solidFill>
+              <a:latin typeface="Times New Roman" panose="02020603050405020304" pitchFamily="18" charset="0"/>
+              <a:cs typeface="Times New Roman" panose="02020603050405020304" pitchFamily="18" charset="0"/>
+            </a:endParaRPr>
+          </a:p>
+        </p:txBody>
+      </p:sp>
+      <p:sp>
+        <p:nvSpPr>
+          <p:cNvPr id="48" name="Rectangle 47">
+            <a:extLst>
+              <a:ext uri="{FF2B5EF4-FFF2-40B4-BE49-F238E27FC236}">
+                <a16:creationId xmlns:a16="http://schemas.microsoft.com/office/drawing/2014/main" id="{DAAE7DB8-6384-623D-F92C-AEC5294B1178}"/>
+              </a:ext>
+            </a:extLst>
+          </p:cNvPr>
+          <p:cNvSpPr/>
+          <p:nvPr/>
+        </p:nvSpPr>
+        <p:spPr>
+          <a:xfrm>
+            <a:off x="3815986" y="4877402"/>
+            <a:ext cx="1987709" cy="244513"/>
+          </a:xfrm>
+          <a:prstGeom prst="rect">
+            <a:avLst/>
+          </a:prstGeom>
+          <a:noFill/>
+          <a:ln>
+            <a:noFill/>
+          </a:ln>
+        </p:spPr>
+        <p:style>
+          <a:lnRef idx="2">
+            <a:schemeClr val="accent1"/>
+          </a:lnRef>
+          <a:fillRef idx="1">
+            <a:schemeClr val="lt1"/>
+          </a:fillRef>
+          <a:effectRef idx="0">
+            <a:schemeClr val="accent1"/>
+          </a:effectRef>
+          <a:fontRef idx="minor">
+            <a:schemeClr val="dk1"/>
+          </a:fontRef>
+        </p:style>
+        <p:txBody>
+          <a:bodyPr rtlCol="0" anchor="ctr"/>
+          <a:lstStyle/>
+          <a:p>
+            <a:pPr algn="ctr"/>
+            <a:r>
+              <a:rPr lang="fr-FR" sz="1200" b="1" dirty="0">
+                <a:solidFill>
+                  <a:srgbClr val="EF4415"/>
+                </a:solidFill>
+                <a:latin typeface="Times New Roman" panose="02020603050405020304" pitchFamily="18" charset="0"/>
+                <a:cs typeface="Times New Roman" panose="02020603050405020304" pitchFamily="18" charset="0"/>
+              </a:rPr>
+              <a:t>Responsable Hébergement</a:t>
+            </a:r>
+          </a:p>
+        </p:txBody>
+      </p:sp>
+      <p:cxnSp>
+        <p:nvCxnSpPr>
+          <p:cNvPr id="49" name="Connecteur droit 48">
+            <a:extLst>
+              <a:ext uri="{FF2B5EF4-FFF2-40B4-BE49-F238E27FC236}">
+                <a16:creationId xmlns:a16="http://schemas.microsoft.com/office/drawing/2014/main" id="{2ACBA22D-0539-3F7F-4F1A-F52EDC26CFE5}"/>
+              </a:ext>
+            </a:extLst>
+          </p:cNvPr>
+          <p:cNvCxnSpPr>
+            <a:cxnSpLocks/>
+          </p:cNvCxnSpPr>
+          <p:nvPr/>
+        </p:nvCxnSpPr>
+        <p:spPr>
+          <a:xfrm>
+            <a:off x="5754161" y="4858332"/>
+            <a:ext cx="0" cy="272050"/>
+          </a:xfrm>
+          <a:prstGeom prst="line">
+            <a:avLst/>
+          </a:prstGeom>
+          <a:ln w="28575"/>
+        </p:spPr>
+        <p:style>
+          <a:lnRef idx="1">
+            <a:schemeClr val="dk1"/>
+          </a:lnRef>
+          <a:fillRef idx="0">
+            <a:schemeClr val="dk1"/>
+          </a:fillRef>
+          <a:effectRef idx="0">
+            <a:schemeClr val="dk1"/>
+          </a:effectRef>
+          <a:fontRef idx="minor">
+            <a:schemeClr val="tx1"/>
+          </a:fontRef>
+        </p:style>
+      </p:cxnSp>
+      <p:sp>
+        <p:nvSpPr>
+          <p:cNvPr id="53" name="Rectangle 52">
+            <a:extLst>
+              <a:ext uri="{FF2B5EF4-FFF2-40B4-BE49-F238E27FC236}">
+                <a16:creationId xmlns:a16="http://schemas.microsoft.com/office/drawing/2014/main" id="{FF13C556-758C-2F7A-D7C3-ECC2B0C0FEF9}"/>
+              </a:ext>
+            </a:extLst>
+          </p:cNvPr>
+          <p:cNvSpPr/>
+          <p:nvPr/>
+        </p:nvSpPr>
+        <p:spPr>
+          <a:xfrm>
+            <a:off x="2727319" y="4930111"/>
+            <a:ext cx="1021194" cy="350454"/>
+          </a:xfrm>
+          <a:prstGeom prst="rect">
+            <a:avLst/>
+          </a:prstGeom>
+          <a:noFill/>
+          <a:ln>
+            <a:noFill/>
+          </a:ln>
+        </p:spPr>
+        <p:style>
+          <a:lnRef idx="2">
+            <a:schemeClr val="accent1"/>
+          </a:lnRef>
+          <a:fillRef idx="1">
+            <a:schemeClr val="lt1"/>
+          </a:fillRef>
+          <a:effectRef idx="0">
+            <a:schemeClr val="accent1"/>
+          </a:effectRef>
+          <a:fontRef idx="minor">
+            <a:schemeClr val="dk1"/>
+          </a:fontRef>
+        </p:style>
+        <p:txBody>
+          <a:bodyPr rtlCol="0" anchor="ctr"/>
+          <a:lstStyle/>
+          <a:p>
+            <a:pPr algn="ctr"/>
+            <a:r>
+              <a:rPr lang="fr-FR" sz="1200" b="1" dirty="0">
+                <a:solidFill>
+                  <a:schemeClr val="tx1"/>
+                </a:solidFill>
+                <a:latin typeface="Times New Roman" panose="02020603050405020304" pitchFamily="18" charset="0"/>
+                <a:ea typeface="Calibri"/>
+                <a:cs typeface="Times New Roman" panose="02020603050405020304" pitchFamily="18" charset="0"/>
+              </a:rPr>
+              <a:t>16-01-2024  11-03-2024</a:t>
+            </a:r>
+          </a:p>
+        </p:txBody>
+      </p:sp>
+      <p:sp>
+        <p:nvSpPr>
+          <p:cNvPr id="57" name="Rectangle 56">
+            <a:extLst>
+              <a:ext uri="{FF2B5EF4-FFF2-40B4-BE49-F238E27FC236}">
+                <a16:creationId xmlns:a16="http://schemas.microsoft.com/office/drawing/2014/main" id="{DE8DF161-E94A-BF2E-1ADC-8F8F2B4FD74A}"/>
+              </a:ext>
+            </a:extLst>
+          </p:cNvPr>
+          <p:cNvSpPr/>
+          <p:nvPr/>
+        </p:nvSpPr>
+        <p:spPr>
+          <a:xfrm>
+            <a:off x="5774264" y="4890101"/>
+            <a:ext cx="1100668" cy="244513"/>
+          </a:xfrm>
+          <a:prstGeom prst="rect">
+            <a:avLst/>
+          </a:prstGeom>
+          <a:noFill/>
+          <a:ln>
+            <a:noFill/>
+          </a:ln>
+        </p:spPr>
+        <p:style>
+          <a:lnRef idx="2">
+            <a:schemeClr val="accent1"/>
+          </a:lnRef>
+          <a:fillRef idx="1">
+            <a:schemeClr val="lt1"/>
+          </a:fillRef>
+          <a:effectRef idx="0">
+            <a:schemeClr val="accent1"/>
+          </a:effectRef>
+          <a:fontRef idx="minor">
+            <a:schemeClr val="dk1"/>
+          </a:fontRef>
+        </p:style>
+        <p:txBody>
+          <a:bodyPr rtlCol="0" anchor="ctr"/>
+          <a:lstStyle/>
+          <a:p>
+            <a:pPr algn="ctr"/>
+            <a:r>
+              <a:rPr lang="fr-CI" sz="1200" b="1" dirty="0">
+                <a:solidFill>
+                  <a:schemeClr val="tx2"/>
+                </a:solidFill>
+                <a:latin typeface="Times New Roman" panose="02020603050405020304" pitchFamily="18" charset="0"/>
+                <a:cs typeface="Times New Roman" panose="02020603050405020304" pitchFamily="18" charset="0"/>
+              </a:rPr>
+              <a:t>UOC - BOLO</a:t>
+            </a:r>
+            <a:endParaRPr lang="fr-FR" sz="1200" b="1" dirty="0">
+              <a:solidFill>
+                <a:schemeClr val="tx2"/>
+              </a:solidFill>
+              <a:latin typeface="Times New Roman" panose="02020603050405020304" pitchFamily="18" charset="0"/>
+              <a:cs typeface="Times New Roman" panose="02020603050405020304" pitchFamily="18" charset="0"/>
+            </a:endParaRPr>
+          </a:p>
+        </p:txBody>
+      </p:sp>
+      <p:sp>
+        <p:nvSpPr>
+          <p:cNvPr id="58" name="Rectangle 57">
+            <a:extLst>
+              <a:ext uri="{FF2B5EF4-FFF2-40B4-BE49-F238E27FC236}">
+                <a16:creationId xmlns:a16="http://schemas.microsoft.com/office/drawing/2014/main" id="{1EE22041-96F4-AD2E-17F8-0912342C5C67}"/>
+              </a:ext>
+            </a:extLst>
+          </p:cNvPr>
+          <p:cNvSpPr/>
+          <p:nvPr/>
+        </p:nvSpPr>
+        <p:spPr>
+          <a:xfrm>
+            <a:off x="3867907" y="5133363"/>
+            <a:ext cx="3612823" cy="338632"/>
+          </a:xfrm>
+          <a:prstGeom prst="rect">
+            <a:avLst/>
+          </a:prstGeom>
+          <a:noFill/>
+          <a:ln>
+            <a:noFill/>
+          </a:ln>
+        </p:spPr>
+        <p:style>
+          <a:lnRef idx="2">
+            <a:schemeClr val="accent1"/>
+          </a:lnRef>
+          <a:fillRef idx="1">
+            <a:schemeClr val="lt1"/>
+          </a:fillRef>
+          <a:effectRef idx="0">
+            <a:schemeClr val="accent1"/>
+          </a:effectRef>
+          <a:fontRef idx="minor">
+            <a:schemeClr val="dk1"/>
+          </a:fontRef>
+        </p:style>
+        <p:txBody>
+          <a:bodyPr rtlCol="0" anchor="ctr"/>
+          <a:lstStyle/>
+          <a:p>
+            <a:r>
+              <a:rPr lang="fr-CI" sz="1200" dirty="0">
+                <a:solidFill>
+                  <a:schemeClr val="tx1"/>
+                </a:solidFill>
+                <a:latin typeface="Times New Roman" panose="02020603050405020304" pitchFamily="18" charset="0"/>
+                <a:cs typeface="Times New Roman" panose="02020603050405020304" pitchFamily="18" charset="0"/>
+              </a:rPr>
+              <a:t>Formation sur le site UOC du village de BOLO, Bas-Sassandra</a:t>
+            </a:r>
+            <a:endParaRPr lang="fr-FR" sz="1200" dirty="0">
+              <a:solidFill>
+                <a:schemeClr val="tx1"/>
+              </a:solidFill>
+              <a:latin typeface="Times New Roman" panose="02020603050405020304" pitchFamily="18" charset="0"/>
+              <a:cs typeface="Times New Roman" panose="02020603050405020304" pitchFamily="18" charset="0"/>
+            </a:endParaRPr>
+          </a:p>
+        </p:txBody>
+      </p:sp>
     </p:spTree>
     <p:extLst>
       <p:ext uri="{BB962C8B-B14F-4D97-AF65-F5344CB8AC3E}">
